--- a/9일차 20180207/Beautiful Soup 사용하기.pptx
+++ b/9일차 20180207/Beautiful Soup 사용하기.pptx
@@ -2247,6 +2247,17 @@
             </a:r>
             <a:r>
               <a:rPr lang="en-US" altLang="ko-KR" dirty="0" err="1" smtClean="0"/>
+              <a:t>urllib.parse</a:t>
+            </a:r>
+            <a:endParaRPr lang="en-US" altLang="ko-KR" dirty="0" smtClean="0"/>
+          </a:p>
+          <a:p>
+            <a:r>
+              <a:rPr lang="en-US" altLang="ko-KR" dirty="0" smtClean="0"/>
+              <a:t>import </a:t>
+            </a:r>
+            <a:r>
+              <a:rPr lang="en-US" altLang="ko-KR" dirty="0" err="1" smtClean="0"/>
               <a:t>urllib.request</a:t>
             </a:r>
             <a:endParaRPr lang="en-US" altLang="ko-KR" dirty="0" smtClean="0"/>
@@ -2254,25 +2265,14 @@
           <a:p>
             <a:r>
               <a:rPr lang="en-US" altLang="ko-KR" dirty="0" smtClean="0"/>
-              <a:t>import </a:t>
-            </a:r>
-            <a:r>
-              <a:rPr lang="en-US" altLang="ko-KR" dirty="0" err="1" smtClean="0"/>
-              <a:t>urllib.parse</a:t>
-            </a:r>
+              <a:t>import re</a:t>
+            </a:r>
+          </a:p>
+          <a:p>
             <a:endParaRPr lang="en-US" altLang="ko-KR" dirty="0" smtClean="0"/>
           </a:p>
           <a:p>
             <a:r>
-              <a:rPr lang="en-US" altLang="ko-KR" dirty="0" smtClean="0"/>
-              <a:t>import re</a:t>
-            </a:r>
-          </a:p>
-          <a:p>
-            <a:endParaRPr lang="en-US" altLang="ko-KR" dirty="0" smtClean="0"/>
-          </a:p>
-          <a:p>
-            <a:r>
               <a:rPr lang="en-US" altLang="ko-KR" dirty="0" err="1" smtClean="0"/>
               <a:t>def</a:t>
             </a:r>
@@ -2300,7 +2300,7 @@
             </a:r>
             <a:r>
               <a:rPr lang="en-US" altLang="ko-KR" dirty="0" smtClean="0"/>
-              <a:t>="https://openapi.naver.com/v1/search/image.xml?"</a:t>
+              <a:t>='https://openapi.naver.com/v1/search/image.xml?'</a:t>
             </a:r>
           </a:p>
           <a:p>
@@ -2378,18 +2378,260 @@
             </a:r>
             <a:r>
               <a:rPr lang="en-US" altLang="ko-KR" dirty="0" err="1" smtClean="0"/>
-              <a:t>default_url+sort+start+display+query</a:t>
+              <a:t>default_url</a:t>
+            </a:r>
+            <a:r>
+              <a:rPr lang="en-US" altLang="ko-KR" dirty="0" smtClean="0"/>
+              <a:t> + sort + start + display + query</a:t>
+            </a:r>
+          </a:p>
+          <a:p>
+            <a:r>
+              <a:rPr lang="en-US" altLang="ko-KR" dirty="0" smtClean="0"/>
+              <a:t>    return </a:t>
+            </a:r>
+            <a:r>
+              <a:rPr lang="en-US" altLang="ko-KR" dirty="0" err="1" smtClean="0"/>
+              <a:t>full_url</a:t>
             </a:r>
             <a:endParaRPr lang="en-US" altLang="ko-KR" dirty="0" smtClean="0"/>
           </a:p>
           <a:p>
             <a:r>
+              <a:rPr lang="en-US" altLang="ko-KR" dirty="0" err="1" smtClean="0"/>
+              <a:t>def</a:t>
+            </a:r>
+            <a:r>
+              <a:rPr lang="en-US" altLang="ko-KR" dirty="0" smtClean="0"/>
+              <a:t> </a:t>
+            </a:r>
+            <a:r>
+              <a:rPr lang="en-US" altLang="ko-KR" dirty="0" err="1" smtClean="0"/>
+              <a:t>fetch_contents_from_url</a:t>
+            </a:r>
+            <a:r>
+              <a:rPr lang="en-US" altLang="ko-KR" dirty="0" smtClean="0"/>
+              <a:t>():</a:t>
+            </a:r>
+          </a:p>
+          <a:p>
+            <a:r>
+              <a:rPr lang="en-US" altLang="ko-KR" dirty="0" smtClean="0"/>
+              <a:t>    </a:t>
+            </a:r>
+            <a:r>
+              <a:rPr lang="en-US" altLang="ko-KR" dirty="0" err="1" smtClean="0"/>
+              <a:t>url</a:t>
+            </a:r>
+            <a:r>
+              <a:rPr lang="en-US" altLang="ko-KR" dirty="0" smtClean="0"/>
+              <a:t>=</a:t>
+            </a:r>
+            <a:r>
+              <a:rPr lang="en-US" altLang="ko-KR" dirty="0" err="1" smtClean="0"/>
+              <a:t>bind_url</a:t>
+            </a:r>
+            <a:r>
+              <a:rPr lang="en-US" altLang="ko-KR" dirty="0" smtClean="0"/>
+              <a:t>()</a:t>
+            </a:r>
+          </a:p>
+          <a:p>
+            <a:r>
+              <a:rPr lang="en-US" altLang="ko-KR" dirty="0" smtClean="0"/>
+              <a:t>    headers={</a:t>
+            </a:r>
+          </a:p>
+          <a:p>
+            <a:r>
+              <a:rPr lang="en-US" altLang="ko-KR" dirty="0" smtClean="0"/>
+              <a:t>        '</a:t>
+            </a:r>
+            <a:r>
+              <a:rPr lang="en-US" altLang="ko-KR" dirty="0" err="1" smtClean="0"/>
+              <a:t>Host':'openapi.naver.com</a:t>
+            </a:r>
+            <a:r>
+              <a:rPr lang="en-US" altLang="ko-KR" dirty="0" smtClean="0"/>
+              <a:t>',</a:t>
+            </a:r>
+          </a:p>
+          <a:p>
+            <a:r>
+              <a:rPr lang="en-US" altLang="ko-KR" dirty="0" smtClean="0"/>
+              <a:t>        '</a:t>
+            </a:r>
+            <a:r>
+              <a:rPr lang="en-US" altLang="ko-KR" dirty="0" err="1" smtClean="0"/>
+              <a:t>User-Agent':'curl</a:t>
+            </a:r>
+            <a:r>
+              <a:rPr lang="en-US" altLang="ko-KR" dirty="0" smtClean="0"/>
+              <a:t>/7.43.0',</a:t>
+            </a:r>
+          </a:p>
+          <a:p>
+            <a:r>
+              <a:rPr lang="en-US" altLang="ko-KR" dirty="0" smtClean="0"/>
+              <a:t>        'Accept':'*/*',</a:t>
+            </a:r>
+          </a:p>
+          <a:p>
+            <a:r>
+              <a:rPr lang="en-US" altLang="ko-KR" dirty="0" smtClean="0"/>
+              <a:t>        '</a:t>
+            </a:r>
+            <a:r>
+              <a:rPr lang="en-US" altLang="ko-KR" dirty="0" err="1" smtClean="0"/>
+              <a:t>Content-Type':'application</a:t>
+            </a:r>
+            <a:r>
+              <a:rPr lang="en-US" altLang="ko-KR" dirty="0" smtClean="0"/>
+              <a:t>/xml',</a:t>
+            </a:r>
+          </a:p>
+          <a:p>
+            <a:r>
+              <a:rPr lang="en-US" altLang="ko-KR" dirty="0" smtClean="0"/>
+              <a:t>        'X-Naver-Client-Id':'014VqkiZDGAZIzLtMb7m',</a:t>
+            </a:r>
+          </a:p>
+          <a:p>
+            <a:r>
+              <a:rPr lang="en-US" altLang="ko-KR" dirty="0" smtClean="0"/>
+              <a:t>        'X-Naver-Client-Secret':'cVJTbXqNe3'</a:t>
+            </a:r>
+          </a:p>
+          <a:p>
+            <a:r>
+              <a:rPr lang="en-US" altLang="ko-KR" dirty="0" smtClean="0"/>
+              <a:t>        }</a:t>
+            </a:r>
+          </a:p>
+          <a:p>
+            <a:r>
+              <a:rPr lang="en-US" altLang="ko-KR" dirty="0" smtClean="0"/>
+              <a:t>    </a:t>
+            </a:r>
+          </a:p>
+          <a:p>
+            <a:r>
+              <a:rPr lang="en-US" altLang="ko-KR" dirty="0" smtClean="0"/>
+              <a:t>    r=</a:t>
+            </a:r>
+            <a:r>
+              <a:rPr lang="en-US" altLang="ko-KR" dirty="0" err="1" smtClean="0"/>
+              <a:t>urllib.request.Request</a:t>
+            </a:r>
+            <a:r>
+              <a:rPr lang="en-US" altLang="ko-KR" dirty="0" smtClean="0"/>
+              <a:t>(</a:t>
+            </a:r>
+            <a:r>
+              <a:rPr lang="en-US" altLang="ko-KR" dirty="0" err="1" smtClean="0"/>
+              <a:t>url</a:t>
+            </a:r>
+            <a:r>
+              <a:rPr lang="en-US" altLang="ko-KR" dirty="0" smtClean="0"/>
+              <a:t>, headers=headers)</a:t>
+            </a:r>
+          </a:p>
+          <a:p>
+            <a:r>
+              <a:rPr lang="en-US" altLang="ko-KR" dirty="0" smtClean="0"/>
+              <a:t>    m=</a:t>
+            </a:r>
+            <a:r>
+              <a:rPr lang="en-US" altLang="ko-KR" dirty="0" err="1" smtClean="0"/>
+              <a:t>urllib.request.urlopen</a:t>
+            </a:r>
+            <a:r>
+              <a:rPr lang="en-US" altLang="ko-KR" dirty="0" smtClean="0"/>
+              <a:t>(r)</a:t>
+            </a:r>
+          </a:p>
+          <a:p>
+            <a:r>
+              <a:rPr lang="en-US" altLang="ko-KR" dirty="0" smtClean="0"/>
+              <a:t>    html=</a:t>
+            </a:r>
+            <a:r>
+              <a:rPr lang="en-US" altLang="ko-KR" dirty="0" err="1" smtClean="0"/>
+              <a:t>m.read</a:t>
+            </a:r>
+            <a:r>
+              <a:rPr lang="en-US" altLang="ko-KR" dirty="0" smtClean="0"/>
+              <a:t>()</a:t>
+            </a:r>
+          </a:p>
+          <a:p>
+            <a:r>
+              <a:rPr lang="en-US" altLang="ko-KR" dirty="0" smtClean="0"/>
+              <a:t>    return html</a:t>
+            </a:r>
+          </a:p>
+          <a:p>
+            <a:r>
+              <a:rPr lang="en-US" altLang="ko-KR" dirty="0" err="1" smtClean="0"/>
+              <a:t>def</a:t>
+            </a:r>
+            <a:r>
+              <a:rPr lang="en-US" altLang="ko-KR" dirty="0" smtClean="0"/>
+              <a:t> </a:t>
+            </a:r>
+            <a:r>
+              <a:rPr lang="en-US" altLang="ko-KR" dirty="0" err="1" smtClean="0"/>
+              <a:t>extract_text_in_tags</a:t>
+            </a:r>
+            <a:r>
+              <a:rPr lang="en-US" altLang="ko-KR" dirty="0" smtClean="0"/>
+              <a:t>(</a:t>
+            </a:r>
+            <a:r>
+              <a:rPr lang="en-US" altLang="ko-KR" dirty="0" err="1" smtClean="0"/>
+              <a:t>tags,tagname</a:t>
+            </a:r>
+            <a:r>
+              <a:rPr lang="en-US" altLang="ko-KR" dirty="0" smtClean="0"/>
+              <a:t>="title"):</a:t>
+            </a:r>
+          </a:p>
+          <a:p>
+            <a:r>
+              <a:rPr lang="en-US" altLang="ko-KR" dirty="0" smtClean="0"/>
+              <a:t>    txt=[]</a:t>
+            </a:r>
+          </a:p>
+          <a:p>
+            <a:r>
+              <a:rPr lang="en-US" altLang="ko-KR" dirty="0" smtClean="0"/>
+              <a:t>    </a:t>
+            </a:r>
+            <a:r>
+              <a:rPr lang="en-US" altLang="ko-KR" dirty="0" err="1" smtClean="0"/>
+              <a:t>reg</a:t>
+            </a:r>
+            <a:r>
+              <a:rPr lang="en-US" altLang="ko-KR" dirty="0" smtClean="0"/>
+              <a:t>="[^&lt;"+ </a:t>
+            </a:r>
+            <a:r>
+              <a:rPr lang="en-US" altLang="ko-KR" dirty="0" err="1" smtClean="0"/>
+              <a:t>tagname</a:t>
+            </a:r>
+            <a:r>
+              <a:rPr lang="en-US" altLang="ko-KR" dirty="0" smtClean="0"/>
+              <a:t>+ "&gt;][^&lt;]+"</a:t>
+            </a:r>
+          </a:p>
+          <a:p>
+            <a:r>
               <a:rPr lang="en-US" altLang="ko-KR" dirty="0" smtClean="0"/>
               <a:t>    print(</a:t>
             </a:r>
             <a:r>
               <a:rPr lang="en-US" altLang="ko-KR" dirty="0" err="1" smtClean="0"/>
-              <a:t>full_url</a:t>
+              <a:t>reg</a:t>
             </a:r>
             <a:r>
               <a:rPr lang="en-US" altLang="ko-KR" dirty="0" smtClean="0"/>
@@ -2399,12 +2641,52 @@
           <a:p>
             <a:r>
               <a:rPr lang="en-US" altLang="ko-KR" dirty="0" smtClean="0"/>
-              <a:t>    return </a:t>
-            </a:r>
-            <a:r>
-              <a:rPr lang="en-US" altLang="ko-KR" dirty="0" err="1" smtClean="0"/>
-              <a:t>full_url</a:t>
-            </a:r>
+              <a:t>    for tag in tags:</a:t>
+            </a:r>
+          </a:p>
+          <a:p>
+            <a:r>
+              <a:rPr lang="en-US" altLang="ko-KR" dirty="0" smtClean="0"/>
+              <a:t>        </a:t>
+            </a:r>
+            <a:r>
+              <a:rPr lang="en-US" altLang="ko-KR" dirty="0" err="1" smtClean="0"/>
+              <a:t>txt.append</a:t>
+            </a:r>
+            <a:r>
+              <a:rPr lang="en-US" altLang="ko-KR" dirty="0" smtClean="0"/>
+              <a:t>(</a:t>
+            </a:r>
+            <a:r>
+              <a:rPr lang="en-US" altLang="ko-KR" dirty="0" err="1" smtClean="0"/>
+              <a:t>re.search</a:t>
+            </a:r>
+            <a:r>
+              <a:rPr lang="en-US" altLang="ko-KR" dirty="0" smtClean="0"/>
+              <a:t>(</a:t>
+            </a:r>
+            <a:r>
+              <a:rPr lang="en-US" altLang="ko-KR" dirty="0" err="1" smtClean="0"/>
+              <a:t>reg,tag</a:t>
+            </a:r>
+            <a:r>
+              <a:rPr lang="en-US" altLang="ko-KR" dirty="0" smtClean="0"/>
+              <a:t>).group() )</a:t>
+            </a:r>
+          </a:p>
+          <a:p>
+            <a:r>
+              <a:rPr lang="en-US" altLang="ko-KR" dirty="0" smtClean="0"/>
+              <a:t>    #print(txt)</a:t>
+            </a:r>
+          </a:p>
+          <a:p>
+            <a:r>
+              <a:rPr lang="en-US" altLang="ko-KR" dirty="0" smtClean="0"/>
+              <a:t>    return txt</a:t>
+            </a:r>
+          </a:p>
+          <a:p>
             <a:endParaRPr lang="en-US" altLang="ko-KR" dirty="0" smtClean="0"/>
           </a:p>
           <a:p>
@@ -2418,11 +2700,31 @@
             </a:r>
             <a:r>
               <a:rPr lang="en-US" altLang="ko-KR" dirty="0" err="1" smtClean="0"/>
+              <a:t>get_contents_from_html</a:t>
+            </a:r>
+            <a:r>
+              <a:rPr lang="en-US" altLang="ko-KR" dirty="0" smtClean="0"/>
+              <a:t>():</a:t>
+            </a:r>
+          </a:p>
+          <a:p>
+            <a:r>
+              <a:rPr lang="en-US" altLang="ko-KR" dirty="0" smtClean="0"/>
+              <a:t>    html=</a:t>
+            </a:r>
+            <a:r>
+              <a:rPr lang="en-US" altLang="ko-KR" dirty="0" err="1" smtClean="0"/>
               <a:t>fetch_contents_from_url</a:t>
             </a:r>
             <a:r>
               <a:rPr lang="en-US" altLang="ko-KR" dirty="0" smtClean="0"/>
-              <a:t>():</a:t>
+              <a:t>()</a:t>
+            </a:r>
+          </a:p>
+          <a:p>
+            <a:r>
+              <a:rPr lang="en-US" altLang="ko-KR" dirty="0" smtClean="0"/>
+              <a:t>    #print(html)</a:t>
             </a:r>
           </a:p>
           <a:p>
@@ -2432,7 +2734,7 @@
             </a:r>
             <a:r>
               <a:rPr lang="en-US" altLang="ko-KR" dirty="0" err="1" smtClean="0"/>
-              <a:t>url</a:t>
+              <a:t>title_tags</a:t>
             </a:r>
             <a:r>
               <a:rPr lang="en-US" altLang="ko-KR" dirty="0" smtClean="0"/>
@@ -2440,7 +2742,209 @@
             </a:r>
             <a:r>
               <a:rPr lang="en-US" altLang="ko-KR" dirty="0" err="1" smtClean="0"/>
-              <a:t>bind_url</a:t>
+              <a:t>re.findall</a:t>
+            </a:r>
+            <a:r>
+              <a:rPr lang="en-US" altLang="ko-KR" dirty="0" smtClean="0"/>
+              <a:t>("&lt;title&gt;[^&lt;]+&lt;/title&gt;",</a:t>
+            </a:r>
+            <a:r>
+              <a:rPr lang="en-US" altLang="ko-KR" dirty="0" err="1" smtClean="0"/>
+              <a:t>html.decode</a:t>
+            </a:r>
+            <a:r>
+              <a:rPr lang="en-US" altLang="ko-KR" dirty="0" smtClean="0"/>
+              <a:t>('utf-8'))</a:t>
+            </a:r>
+          </a:p>
+          <a:p>
+            <a:r>
+              <a:rPr lang="en-US" altLang="ko-KR" dirty="0" smtClean="0"/>
+              <a:t>    </a:t>
+            </a:r>
+            <a:r>
+              <a:rPr lang="en-US" altLang="ko-KR" dirty="0" err="1" smtClean="0"/>
+              <a:t>link_tags</a:t>
+            </a:r>
+            <a:r>
+              <a:rPr lang="en-US" altLang="ko-KR" dirty="0" smtClean="0"/>
+              <a:t>=</a:t>
+            </a:r>
+            <a:r>
+              <a:rPr lang="en-US" altLang="ko-KR" dirty="0" err="1" smtClean="0"/>
+              <a:t>re.findall</a:t>
+            </a:r>
+            <a:r>
+              <a:rPr lang="en-US" altLang="ko-KR" dirty="0" smtClean="0"/>
+              <a:t>("&lt;link&gt;[^&lt;]+&lt;/link&gt;",</a:t>
+            </a:r>
+            <a:r>
+              <a:rPr lang="en-US" altLang="ko-KR" dirty="0" err="1" smtClean="0"/>
+              <a:t>html.decode</a:t>
+            </a:r>
+            <a:r>
+              <a:rPr lang="en-US" altLang="ko-KR" dirty="0" smtClean="0"/>
+              <a:t>('utf-8'))</a:t>
+            </a:r>
+          </a:p>
+          <a:p>
+            <a:r>
+              <a:rPr lang="en-US" altLang="ko-KR" dirty="0" smtClean="0"/>
+              <a:t>    #print(</a:t>
+            </a:r>
+            <a:r>
+              <a:rPr lang="en-US" altLang="ko-KR" dirty="0" err="1" smtClean="0"/>
+              <a:t>link_tags</a:t>
+            </a:r>
+            <a:r>
+              <a:rPr lang="en-US" altLang="ko-KR" dirty="0" smtClean="0"/>
+              <a:t>)</a:t>
+            </a:r>
+          </a:p>
+          <a:p>
+            <a:r>
+              <a:rPr lang="en-US" altLang="ko-KR" dirty="0" smtClean="0"/>
+              <a:t>    titles=</a:t>
+            </a:r>
+            <a:r>
+              <a:rPr lang="en-US" altLang="ko-KR" dirty="0" err="1" smtClean="0"/>
+              <a:t>extract_text_in_tags</a:t>
+            </a:r>
+            <a:r>
+              <a:rPr lang="en-US" altLang="ko-KR" dirty="0" smtClean="0"/>
+              <a:t>(</a:t>
+            </a:r>
+            <a:r>
+              <a:rPr lang="en-US" altLang="ko-KR" dirty="0" err="1" smtClean="0"/>
+              <a:t>title_tags,tagname</a:t>
+            </a:r>
+            <a:r>
+              <a:rPr lang="en-US" altLang="ko-KR" dirty="0" smtClean="0"/>
+              <a:t>='title')</a:t>
+            </a:r>
+          </a:p>
+          <a:p>
+            <a:r>
+              <a:rPr lang="en-US" altLang="ko-KR" dirty="0" smtClean="0"/>
+              <a:t>    links=</a:t>
+            </a:r>
+            <a:r>
+              <a:rPr lang="en-US" altLang="ko-KR" dirty="0" err="1" smtClean="0"/>
+              <a:t>extract_text_in_tags</a:t>
+            </a:r>
+            <a:r>
+              <a:rPr lang="en-US" altLang="ko-KR" dirty="0" smtClean="0"/>
+              <a:t>(</a:t>
+            </a:r>
+            <a:r>
+              <a:rPr lang="en-US" altLang="ko-KR" dirty="0" err="1" smtClean="0"/>
+              <a:t>link_tags,tagname</a:t>
+            </a:r>
+            <a:r>
+              <a:rPr lang="en-US" altLang="ko-KR" dirty="0" smtClean="0"/>
+              <a:t>='link')</a:t>
+            </a:r>
+          </a:p>
+          <a:p>
+            <a:r>
+              <a:rPr lang="en-US" altLang="ko-KR" dirty="0" smtClean="0"/>
+              <a:t>    f=open("</a:t>
+            </a:r>
+            <a:r>
+              <a:rPr lang="en-US" altLang="ko-KR" dirty="0" err="1" smtClean="0"/>
+              <a:t>image.html","w</a:t>
+            </a:r>
+            <a:r>
+              <a:rPr lang="en-US" altLang="ko-KR" dirty="0" smtClean="0"/>
+              <a:t>")</a:t>
+            </a:r>
+          </a:p>
+          <a:p>
+            <a:r>
+              <a:rPr lang="en-US" altLang="ko-KR" dirty="0" smtClean="0"/>
+              <a:t>    </a:t>
+            </a:r>
+            <a:r>
+              <a:rPr lang="en-US" altLang="ko-KR" dirty="0" err="1" smtClean="0"/>
+              <a:t>f.write</a:t>
+            </a:r>
+            <a:r>
+              <a:rPr lang="en-US" altLang="ko-KR" dirty="0" smtClean="0"/>
+              <a:t>("&lt;html&gt;&lt;body&gt;")</a:t>
+            </a:r>
+          </a:p>
+          <a:p>
+            <a:r>
+              <a:rPr lang="en-US" altLang="ko-KR" dirty="0" smtClean="0"/>
+              <a:t>    for i in range(1,len(titles)):</a:t>
+            </a:r>
+          </a:p>
+          <a:p>
+            <a:r>
+              <a:rPr lang="en-US" altLang="ko-KR" dirty="0" smtClean="0"/>
+              <a:t>        </a:t>
+            </a:r>
+            <a:r>
+              <a:rPr lang="en-US" altLang="ko-KR" dirty="0" err="1" smtClean="0"/>
+              <a:t>f.write</a:t>
+            </a:r>
+            <a:r>
+              <a:rPr lang="en-US" altLang="ko-KR" dirty="0" smtClean="0"/>
+              <a:t>("&lt;p&gt;"+titles[i]+"&lt;/p&gt;")</a:t>
+            </a:r>
+          </a:p>
+          <a:p>
+            <a:r>
+              <a:rPr lang="en-US" altLang="ko-KR" dirty="0" smtClean="0"/>
+              <a:t>        </a:t>
+            </a:r>
+            <a:r>
+              <a:rPr lang="en-US" altLang="ko-KR" dirty="0" err="1" smtClean="0"/>
+              <a:t>f.write</a:t>
+            </a:r>
+            <a:r>
+              <a:rPr lang="en-US" altLang="ko-KR" dirty="0" smtClean="0"/>
+              <a:t>("&lt;</a:t>
+            </a:r>
+            <a:r>
+              <a:rPr lang="en-US" altLang="ko-KR" dirty="0" err="1" smtClean="0"/>
+              <a:t>img</a:t>
+            </a:r>
+            <a:r>
+              <a:rPr lang="en-US" altLang="ko-KR" dirty="0" smtClean="0"/>
+              <a:t> </a:t>
+            </a:r>
+            <a:r>
+              <a:rPr lang="en-US" altLang="ko-KR" dirty="0" err="1" smtClean="0"/>
+              <a:t>src</a:t>
+            </a:r>
+            <a:r>
+              <a:rPr lang="en-US" altLang="ko-KR" dirty="0" smtClean="0"/>
+              <a:t>="+links[i]+"/&gt;")</a:t>
+            </a:r>
+          </a:p>
+          <a:p>
+            <a:r>
+              <a:rPr lang="en-US" altLang="ko-KR" dirty="0" smtClean="0"/>
+              <a:t>    </a:t>
+            </a:r>
+            <a:r>
+              <a:rPr lang="en-US" altLang="ko-KR" dirty="0" err="1" smtClean="0"/>
+              <a:t>f.write</a:t>
+            </a:r>
+            <a:r>
+              <a:rPr lang="en-US" altLang="ko-KR" dirty="0" smtClean="0"/>
+              <a:t>("&lt;/body&gt;&lt;/html&gt;")</a:t>
+            </a:r>
+          </a:p>
+          <a:p>
+            <a:r>
+              <a:rPr lang="en-US" altLang="ko-KR" dirty="0" smtClean="0"/>
+              <a:t>    </a:t>
+            </a:r>
+            <a:r>
+              <a:rPr lang="en-US" altLang="ko-KR" dirty="0" err="1" smtClean="0"/>
+              <a:t>f.close</a:t>
             </a:r>
             <a:r>
               <a:rPr lang="en-US" altLang="ko-KR" dirty="0" smtClean="0"/>
@@ -2449,120 +2953,8 @@
           </a:p>
           <a:p>
             <a:r>
-              <a:rPr lang="en-US" altLang="ko-KR" dirty="0" smtClean="0"/>
-              <a:t>    headers={</a:t>
-            </a:r>
-          </a:p>
-          <a:p>
-            <a:r>
-              <a:rPr lang="en-US" altLang="ko-KR" dirty="0" smtClean="0"/>
-              <a:t>        '</a:t>
-            </a:r>
-            <a:r>
-              <a:rPr lang="en-US" altLang="ko-KR" dirty="0" err="1" smtClean="0"/>
-              <a:t>Host':'openapi.naver.com</a:t>
-            </a:r>
-            <a:r>
-              <a:rPr lang="en-US" altLang="ko-KR" dirty="0" smtClean="0"/>
-              <a:t>',</a:t>
-            </a:r>
-          </a:p>
-          <a:p>
-            <a:r>
-              <a:rPr lang="en-US" altLang="ko-KR" dirty="0" smtClean="0"/>
-              <a:t>        '</a:t>
-            </a:r>
-            <a:r>
-              <a:rPr lang="en-US" altLang="ko-KR" dirty="0" err="1" smtClean="0"/>
-              <a:t>User-Agent':'curl</a:t>
-            </a:r>
-            <a:r>
-              <a:rPr lang="en-US" altLang="ko-KR" dirty="0" smtClean="0"/>
-              <a:t>/7.43.0',</a:t>
-            </a:r>
-          </a:p>
-          <a:p>
-            <a:r>
-              <a:rPr lang="en-US" altLang="ko-KR" dirty="0" smtClean="0"/>
-              <a:t>        'Accept':'*/*',</a:t>
-            </a:r>
-          </a:p>
-          <a:p>
-            <a:r>
-              <a:rPr lang="en-US" altLang="ko-KR" dirty="0" smtClean="0"/>
-              <a:t>        '</a:t>
-            </a:r>
-            <a:r>
-              <a:rPr lang="en-US" altLang="ko-KR" dirty="0" err="1" smtClean="0"/>
-              <a:t>Content-Type':'application</a:t>
-            </a:r>
-            <a:r>
-              <a:rPr lang="en-US" altLang="ko-KR" dirty="0" smtClean="0"/>
-              <a:t>/xml',</a:t>
-            </a:r>
-          </a:p>
-          <a:p>
-            <a:r>
-              <a:rPr lang="en-US" altLang="ko-KR" dirty="0" smtClean="0"/>
-              <a:t>        'X-Naver-Client-id':'014VqkiZDGAZIzLtMb7m',</a:t>
-            </a:r>
-          </a:p>
-          <a:p>
-            <a:r>
-              <a:rPr lang="en-US" altLang="ko-KR" dirty="0" smtClean="0"/>
-              <a:t>        'X-Naver-Client-Secret':'cVJTbXqNe3'</a:t>
-            </a:r>
-          </a:p>
-          <a:p>
-            <a:r>
-              <a:rPr lang="en-US" altLang="ko-KR" dirty="0" smtClean="0"/>
-              <a:t>        }</a:t>
-            </a:r>
-          </a:p>
-          <a:p>
-            <a:r>
-              <a:rPr lang="en-US" altLang="ko-KR" dirty="0" smtClean="0"/>
-              <a:t>    r=</a:t>
-            </a:r>
-            <a:r>
-              <a:rPr lang="en-US" altLang="ko-KR" dirty="0" err="1" smtClean="0"/>
-              <a:t>urllib.request.urlopen</a:t>
-            </a:r>
-            <a:r>
-              <a:rPr lang="en-US" altLang="ko-KR" dirty="0" smtClean="0"/>
-              <a:t>(</a:t>
-            </a:r>
-            <a:r>
-              <a:rPr lang="en-US" altLang="ko-KR" dirty="0" err="1" smtClean="0"/>
-              <a:t>url</a:t>
-            </a:r>
-            <a:r>
-              <a:rPr lang="en-US" altLang="ko-KR" dirty="0" smtClean="0"/>
-              <a:t>)</a:t>
-            </a:r>
-          </a:p>
-          <a:p>
-            <a:r>
-              <a:rPr lang="en-US" altLang="ko-KR" dirty="0" smtClean="0"/>
-              <a:t>    m=</a:t>
-            </a:r>
-            <a:r>
-              <a:rPr lang="en-US" altLang="ko-KR" dirty="0" err="1" smtClean="0"/>
-              <a:t>urllib.request.urlopen</a:t>
-            </a:r>
-            <a:r>
-              <a:rPr lang="en-US" altLang="ko-KR" dirty="0" smtClean="0"/>
-              <a:t>(r)</a:t>
-            </a:r>
-          </a:p>
-          <a:p>
-            <a:r>
-              <a:rPr lang="en-US" altLang="ko-KR" dirty="0" smtClean="0"/>
-              <a:t>    html=</a:t>
-            </a:r>
-            <a:r>
-              <a:rPr lang="en-US" altLang="ko-KR" dirty="0" err="1" smtClean="0"/>
-              <a:t>r.read</a:t>
+              <a:rPr lang="en-US" altLang="ko-KR" dirty="0" err="1" smtClean="0"/>
+              <a:t>get_contents_from_html</a:t>
             </a:r>
             <a:r>
               <a:rPr lang="en-US" altLang="ko-KR" dirty="0" smtClean="0"/>
@@ -2571,418 +2963,7 @@
           </a:p>
           <a:p>
             <a:r>
-              <a:rPr lang="en-US" altLang="ko-KR" dirty="0" smtClean="0"/>
-              <a:t>    return html</a:t>
-            </a:r>
-          </a:p>
-          <a:p>
-            <a:r>
-              <a:rPr lang="en-US" altLang="ko-KR" dirty="0" err="1" smtClean="0"/>
-              <a:t>def</a:t>
-            </a:r>
-            <a:r>
-              <a:rPr lang="en-US" altLang="ko-KR" dirty="0" smtClean="0"/>
-              <a:t> </a:t>
-            </a:r>
-            <a:r>
-              <a:rPr lang="en-US" altLang="ko-KR" dirty="0" err="1" smtClean="0"/>
-              <a:t>extract_text_in_tags</a:t>
-            </a:r>
-            <a:r>
-              <a:rPr lang="en-US" altLang="ko-KR" dirty="0" smtClean="0"/>
-              <a:t>(</a:t>
-            </a:r>
-            <a:r>
-              <a:rPr lang="en-US" altLang="ko-KR" dirty="0" err="1" smtClean="0"/>
-              <a:t>tags,tagname</a:t>
-            </a:r>
-            <a:r>
-              <a:rPr lang="en-US" altLang="ko-KR" dirty="0" smtClean="0"/>
-              <a:t>="title"):</a:t>
-            </a:r>
-          </a:p>
-          <a:p>
-            <a:r>
-              <a:rPr lang="en-US" altLang="ko-KR" dirty="0" smtClean="0"/>
-              <a:t>    txt=[]</a:t>
-            </a:r>
-          </a:p>
-          <a:p>
-            <a:r>
-              <a:rPr lang="en-US" altLang="ko-KR" dirty="0" smtClean="0"/>
-              <a:t>    print(</a:t>
-            </a:r>
-            <a:r>
-              <a:rPr lang="en-US" altLang="ko-KR" dirty="0" err="1" smtClean="0"/>
-              <a:t>reg</a:t>
-            </a:r>
-            <a:r>
-              <a:rPr lang="en-US" altLang="ko-KR" dirty="0" smtClean="0"/>
-              <a:t>)</a:t>
-            </a:r>
-          </a:p>
-          <a:p>
-            <a:r>
-              <a:rPr lang="en-US" altLang="ko-KR" dirty="0" smtClean="0"/>
-              <a:t>    </a:t>
-            </a:r>
-            <a:r>
-              <a:rPr lang="en-US" altLang="ko-KR" dirty="0" err="1" smtClean="0"/>
-              <a:t>reg</a:t>
-            </a:r>
-            <a:r>
-              <a:rPr lang="en-US" altLang="ko-KR" dirty="0" smtClean="0"/>
-              <a:t>="[^&lt;"+ </a:t>
-            </a:r>
-            <a:r>
-              <a:rPr lang="en-US" altLang="ko-KR" dirty="0" err="1" smtClean="0"/>
-              <a:t>tagname</a:t>
-            </a:r>
-            <a:r>
-              <a:rPr lang="en-US" altLang="ko-KR" dirty="0" smtClean="0"/>
-              <a:t>+ "&gt;][^&lt;]+"</a:t>
-            </a:r>
-          </a:p>
-          <a:p>
-            <a:r>
-              <a:rPr lang="en-US" altLang="ko-KR" dirty="0" smtClean="0"/>
-              <a:t>    print(</a:t>
-            </a:r>
-            <a:r>
-              <a:rPr lang="en-US" altLang="ko-KR" dirty="0" err="1" smtClean="0"/>
-              <a:t>reg</a:t>
-            </a:r>
-            <a:r>
-              <a:rPr lang="en-US" altLang="ko-KR" dirty="0" smtClean="0"/>
-              <a:t>)</a:t>
-            </a:r>
-          </a:p>
-          <a:p>
-            <a:r>
-              <a:rPr lang="en-US" altLang="ko-KR" dirty="0" smtClean="0"/>
-              <a:t>    for tag in tags:</a:t>
-            </a:r>
-          </a:p>
-          <a:p>
-            <a:r>
-              <a:rPr lang="en-US" altLang="ko-KR" dirty="0" smtClean="0"/>
-              <a:t>        </a:t>
-            </a:r>
-            <a:r>
-              <a:rPr lang="en-US" altLang="ko-KR" dirty="0" err="1" smtClean="0"/>
-              <a:t>txt.append</a:t>
-            </a:r>
-            <a:r>
-              <a:rPr lang="en-US" altLang="ko-KR" dirty="0" smtClean="0"/>
-              <a:t>(</a:t>
-            </a:r>
-            <a:r>
-              <a:rPr lang="en-US" altLang="ko-KR" dirty="0" err="1" smtClean="0"/>
-              <a:t>re.search</a:t>
-            </a:r>
-            <a:r>
-              <a:rPr lang="en-US" altLang="ko-KR" dirty="0" smtClean="0"/>
-              <a:t>(</a:t>
-            </a:r>
-            <a:r>
-              <a:rPr lang="en-US" altLang="ko-KR" dirty="0" err="1" smtClean="0"/>
-              <a:t>reg,tag</a:t>
-            </a:r>
-            <a:r>
-              <a:rPr lang="en-US" altLang="ko-KR" dirty="0" smtClean="0"/>
-              <a:t>).group() )</a:t>
-            </a:r>
-          </a:p>
-          <a:p>
-            <a:r>
-              <a:rPr lang="en-US" altLang="ko-KR" dirty="0" smtClean="0"/>
-              <a:t>    print(txt)</a:t>
-            </a:r>
-          </a:p>
-          <a:p>
-            <a:r>
-              <a:rPr lang="en-US" altLang="ko-KR" dirty="0" smtClean="0"/>
-              <a:t>    return txt</a:t>
-            </a:r>
-          </a:p>
-          <a:p>
-            <a:endParaRPr lang="en-US" altLang="ko-KR" dirty="0" smtClean="0"/>
-          </a:p>
-          <a:p>
-            <a:r>
-              <a:rPr lang="en-US" altLang="ko-KR" dirty="0" err="1" smtClean="0"/>
-              <a:t>def</a:t>
-            </a:r>
-            <a:r>
-              <a:rPr lang="en-US" altLang="ko-KR" dirty="0" smtClean="0"/>
-              <a:t> </a:t>
-            </a:r>
-            <a:r>
-              <a:rPr lang="en-US" altLang="ko-KR" dirty="0" err="1" smtClean="0"/>
-              <a:t>get_contents_from_html</a:t>
-            </a:r>
-            <a:r>
-              <a:rPr lang="en-US" altLang="ko-KR" dirty="0" smtClean="0"/>
-              <a:t>():</a:t>
-            </a:r>
-          </a:p>
-          <a:p>
-            <a:r>
-              <a:rPr lang="en-US" altLang="ko-KR" dirty="0" smtClean="0"/>
-              <a:t>    html=</a:t>
-            </a:r>
-            <a:r>
-              <a:rPr lang="en-US" altLang="ko-KR" dirty="0" err="1" smtClean="0"/>
-              <a:t>fetch_contents_from_url</a:t>
-            </a:r>
-            <a:r>
-              <a:rPr lang="en-US" altLang="ko-KR" dirty="0" smtClean="0"/>
-              <a:t>()</a:t>
-            </a:r>
-          </a:p>
-          <a:p>
-            <a:r>
-              <a:rPr lang="en-US" altLang="ko-KR" dirty="0" smtClean="0"/>
-              <a:t>    print(html)</a:t>
-            </a:r>
-          </a:p>
-          <a:p>
-            <a:r>
-              <a:rPr lang="en-US" altLang="ko-KR" dirty="0" smtClean="0"/>
-              <a:t>    </a:t>
-            </a:r>
-            <a:r>
-              <a:rPr lang="en-US" altLang="ko-KR" dirty="0" err="1" smtClean="0"/>
-              <a:t>title_tags</a:t>
-            </a:r>
-            <a:r>
-              <a:rPr lang="en-US" altLang="ko-KR" dirty="0" smtClean="0"/>
-              <a:t>=</a:t>
-            </a:r>
-            <a:r>
-              <a:rPr lang="en-US" altLang="ko-KR" dirty="0" err="1" smtClean="0"/>
-              <a:t>re.findall</a:t>
-            </a:r>
-            <a:r>
-              <a:rPr lang="en-US" altLang="ko-KR" dirty="0" smtClean="0"/>
-              <a:t>("&lt;title&gt;[^&lt;]+&lt;/title&gt;",</a:t>
-            </a:r>
-            <a:r>
-              <a:rPr lang="en-US" altLang="ko-KR" dirty="0" err="1" smtClean="0"/>
-              <a:t>html.decode</a:t>
-            </a:r>
-            <a:r>
-              <a:rPr lang="en-US" altLang="ko-KR" dirty="0" smtClean="0"/>
-              <a:t>('utf-8'))</a:t>
-            </a:r>
-          </a:p>
-          <a:p>
-            <a:r>
-              <a:rPr lang="en-US" altLang="ko-KR" dirty="0" smtClean="0"/>
-              <a:t>    </a:t>
-            </a:r>
-            <a:r>
-              <a:rPr lang="en-US" altLang="ko-KR" dirty="0" err="1" smtClean="0"/>
-              <a:t>link_tags</a:t>
-            </a:r>
-            <a:r>
-              <a:rPr lang="en-US" altLang="ko-KR" dirty="0" smtClean="0"/>
-              <a:t>=</a:t>
-            </a:r>
-            <a:r>
-              <a:rPr lang="en-US" altLang="ko-KR" dirty="0" err="1" smtClean="0"/>
-              <a:t>re.findall</a:t>
-            </a:r>
-            <a:r>
-              <a:rPr lang="en-US" altLang="ko-KR" dirty="0" smtClean="0"/>
-              <a:t>("&lt;link&gt;[^&lt;]+&lt;/link&gt;",</a:t>
-            </a:r>
-            <a:r>
-              <a:rPr lang="en-US" altLang="ko-KR" dirty="0" err="1" smtClean="0"/>
-              <a:t>html.decode</a:t>
-            </a:r>
-            <a:r>
-              <a:rPr lang="en-US" altLang="ko-KR" dirty="0" smtClean="0"/>
-              <a:t>('utf-8'))</a:t>
-            </a:r>
-          </a:p>
-          <a:p>
-            <a:r>
-              <a:rPr lang="en-US" altLang="ko-KR" dirty="0" smtClean="0"/>
-              <a:t>    print(</a:t>
-            </a:r>
-            <a:r>
-              <a:rPr lang="en-US" altLang="ko-KR" dirty="0" err="1" smtClean="0"/>
-              <a:t>link_tags</a:t>
-            </a:r>
-            <a:r>
-              <a:rPr lang="en-US" altLang="ko-KR" dirty="0" smtClean="0"/>
-              <a:t>)</a:t>
-            </a:r>
-          </a:p>
-          <a:p>
-            <a:r>
-              <a:rPr lang="en-US" altLang="ko-KR" dirty="0" smtClean="0"/>
-              <a:t>    titles=</a:t>
-            </a:r>
-            <a:r>
-              <a:rPr lang="en-US" altLang="ko-KR" dirty="0" err="1" smtClean="0"/>
-              <a:t>extract_text_in_tags</a:t>
-            </a:r>
-            <a:r>
-              <a:rPr lang="en-US" altLang="ko-KR" dirty="0" smtClean="0"/>
-              <a:t>(</a:t>
-            </a:r>
-            <a:r>
-              <a:rPr lang="en-US" altLang="ko-KR" dirty="0" err="1" smtClean="0"/>
-              <a:t>title_tags,tagname</a:t>
-            </a:r>
-            <a:r>
-              <a:rPr lang="en-US" altLang="ko-KR" dirty="0" smtClean="0"/>
-              <a:t>='title')</a:t>
-            </a:r>
-          </a:p>
-          <a:p>
-            <a:r>
-              <a:rPr lang="en-US" altLang="ko-KR" dirty="0" smtClean="0"/>
-              <a:t>    links=</a:t>
-            </a:r>
-            <a:r>
-              <a:rPr lang="en-US" altLang="ko-KR" dirty="0" err="1" smtClean="0"/>
-              <a:t>extract_text_in_tags</a:t>
-            </a:r>
-            <a:r>
-              <a:rPr lang="en-US" altLang="ko-KR" dirty="0" smtClean="0"/>
-              <a:t>(</a:t>
-            </a:r>
-            <a:r>
-              <a:rPr lang="en-US" altLang="ko-KR" dirty="0" err="1" smtClean="0"/>
-              <a:t>title_tags,tagname</a:t>
-            </a:r>
-            <a:r>
-              <a:rPr lang="en-US" altLang="ko-KR" dirty="0" smtClean="0"/>
-              <a:t>='link')</a:t>
-            </a:r>
-          </a:p>
-          <a:p>
-            <a:r>
-              <a:rPr lang="en-US" altLang="ko-KR" dirty="0" smtClean="0"/>
-              <a:t>    f=open("</a:t>
-            </a:r>
-            <a:r>
-              <a:rPr lang="en-US" altLang="ko-KR" dirty="0" err="1" smtClean="0"/>
-              <a:t>image.html","w</a:t>
-            </a:r>
-            <a:r>
-              <a:rPr lang="en-US" altLang="ko-KR" dirty="0" smtClean="0"/>
-              <a:t>")</a:t>
-            </a:r>
-          </a:p>
-          <a:p>
-            <a:r>
-              <a:rPr lang="en-US" altLang="ko-KR" dirty="0" smtClean="0"/>
-              <a:t>    </a:t>
-            </a:r>
-            <a:r>
-              <a:rPr lang="en-US" altLang="ko-KR" dirty="0" err="1" smtClean="0"/>
-              <a:t>f.write</a:t>
-            </a:r>
-            <a:r>
-              <a:rPr lang="en-US" altLang="ko-KR" dirty="0" smtClean="0"/>
-              <a:t>("&lt;html&gt;&lt;body&gt;")</a:t>
-            </a:r>
-          </a:p>
-          <a:p>
-            <a:r>
-              <a:rPr lang="en-US" altLang="ko-KR" dirty="0" smtClean="0"/>
-              <a:t>    for i in range(1,len(titles)):</a:t>
-            </a:r>
-          </a:p>
-          <a:p>
-            <a:r>
-              <a:rPr lang="en-US" altLang="ko-KR" dirty="0" smtClean="0"/>
-              <a:t>        </a:t>
-            </a:r>
-            <a:r>
-              <a:rPr lang="en-US" altLang="ko-KR" dirty="0" err="1" smtClean="0"/>
-              <a:t>f.write</a:t>
-            </a:r>
-            <a:r>
-              <a:rPr lang="en-US" altLang="ko-KR" dirty="0" smtClean="0"/>
-              <a:t>("&lt;p&gt;"+titles[i]+"&lt;/p&gt;")</a:t>
-            </a:r>
-          </a:p>
-          <a:p>
-            <a:r>
-              <a:rPr lang="en-US" altLang="ko-KR" dirty="0" smtClean="0"/>
-              <a:t>        </a:t>
-            </a:r>
-            <a:r>
-              <a:rPr lang="en-US" altLang="ko-KR" dirty="0" err="1" smtClean="0"/>
-              <a:t>f.write</a:t>
-            </a:r>
-            <a:r>
-              <a:rPr lang="en-US" altLang="ko-KR" dirty="0" smtClean="0"/>
-              <a:t>("&lt;</a:t>
-            </a:r>
-            <a:r>
-              <a:rPr lang="en-US" altLang="ko-KR" dirty="0" err="1" smtClean="0"/>
-              <a:t>img</a:t>
-            </a:r>
-            <a:r>
-              <a:rPr lang="en-US" altLang="ko-KR" dirty="0" smtClean="0"/>
-              <a:t> </a:t>
-            </a:r>
-            <a:r>
-              <a:rPr lang="en-US" altLang="ko-KR" dirty="0" err="1" smtClean="0"/>
-              <a:t>src</a:t>
-            </a:r>
-            <a:r>
-              <a:rPr lang="en-US" altLang="ko-KR" dirty="0" smtClean="0"/>
-              <a:t>="+links[i]+"/&gt;")</a:t>
-            </a:r>
-          </a:p>
-          <a:p>
-            <a:r>
-              <a:rPr lang="en-US" altLang="ko-KR" dirty="0" smtClean="0"/>
-              <a:t>    </a:t>
-            </a:r>
-            <a:r>
-              <a:rPr lang="en-US" altLang="ko-KR" dirty="0" err="1" smtClean="0"/>
-              <a:t>f.write</a:t>
-            </a:r>
-            <a:r>
-              <a:rPr lang="en-US" altLang="ko-KR" dirty="0" smtClean="0"/>
-              <a:t>("&lt;/body&gt;&lt;/html&gt;")</a:t>
-            </a:r>
-          </a:p>
-          <a:p>
-            <a:r>
-              <a:rPr lang="en-US" altLang="ko-KR" dirty="0" smtClean="0"/>
-              <a:t>    </a:t>
-            </a:r>
-            <a:r>
-              <a:rPr lang="en-US" altLang="ko-KR" dirty="0" err="1" smtClean="0"/>
-              <a:t>f.close</a:t>
-            </a:r>
-            <a:r>
-              <a:rPr lang="en-US" altLang="ko-KR" dirty="0" smtClean="0"/>
-              <a:t>()</a:t>
-            </a:r>
-          </a:p>
-          <a:p>
-            <a:r>
-              <a:rPr lang="en-US" altLang="ko-KR" dirty="0" err="1" smtClean="0"/>
-              <a:t>get_contents_from_html</a:t>
-            </a:r>
-            <a:r>
-              <a:rPr lang="en-US" altLang="ko-KR" dirty="0" smtClean="0"/>
-              <a:t>()</a:t>
-            </a:r>
-          </a:p>
-          <a:p>
-            <a:r>
-              <a:rPr lang="en-US" altLang="ko-KR" dirty="0" smtClean="0"/>
+              <a:rPr lang="en-US" altLang="ko-KR" smtClean="0"/>
               <a:t> </a:t>
             </a:r>
             <a:endParaRPr lang="ko-KR" altLang="en-US" dirty="0"/>
@@ -10191,10 +10172,72 @@
           <a:bodyPr/>
           <a:lstStyle/>
           <a:p>
-            <a:endParaRPr lang="ko-KR" altLang="en-US"/>
-          </a:p>
-        </p:txBody>
-      </p:sp>
+            <a:endParaRPr lang="ko-KR" altLang="en-US" dirty="0"/>
+          </a:p>
+        </p:txBody>
+      </p:sp>
+      <p:pic>
+        <p:nvPicPr>
+          <p:cNvPr id="1026" name="Picture 2"/>
+          <p:cNvPicPr>
+            <a:picLocks noChangeAspect="1" noChangeArrowheads="1"/>
+          </p:cNvPicPr>
+          <p:nvPr/>
+        </p:nvPicPr>
+        <p:blipFill rotWithShape="1">
+          <a:blip r:embed="rId3">
+            <a:extLst>
+              <a:ext uri="{28A0092B-C50C-407E-A947-70E740481C1C}">
+                <a14:useLocalDpi xmlns:a14="http://schemas.microsoft.com/office/drawing/2010/main" val="0"/>
+              </a:ext>
+            </a:extLst>
+          </a:blip>
+          <a:srcRect t="8192" b="22436"/>
+          <a:stretch/>
+        </p:blipFill>
+        <p:spPr bwMode="auto">
+          <a:xfrm>
+            <a:off x="35595" y="1556792"/>
+            <a:ext cx="8952728" cy="4968552"/>
+          </a:xfrm>
+          <a:prstGeom prst="rect">
+            <a:avLst/>
+          </a:prstGeom>
+          <a:noFill/>
+          <a:ln>
+            <a:noFill/>
+          </a:ln>
+          <a:effectLst/>
+          <a:extLst>
+            <a:ext uri="{909E8E84-426E-40DD-AFC4-6F175D3DCCD1}">
+              <a14:hiddenFill xmlns:a14="http://schemas.microsoft.com/office/drawing/2010/main">
+                <a:solidFill>
+                  <a:schemeClr val="accent1"/>
+                </a:solidFill>
+              </a14:hiddenFill>
+            </a:ext>
+            <a:ext uri="{91240B29-F687-4F45-9708-019B960494DF}">
+              <a14:hiddenLine xmlns:a14="http://schemas.microsoft.com/office/drawing/2010/main" w="9525">
+                <a:solidFill>
+                  <a:schemeClr val="tx1"/>
+                </a:solidFill>
+                <a:miter lim="800000"/>
+                <a:headEnd/>
+                <a:tailEnd/>
+              </a14:hiddenLine>
+            </a:ext>
+            <a:ext uri="{AF507438-7753-43E0-B8FC-AC1667EBCBE1}">
+              <a14:hiddenEffects xmlns:a14="http://schemas.microsoft.com/office/drawing/2010/main">
+                <a:effectLst>
+                  <a:outerShdw dist="35921" dir="2700000" algn="ctr" rotWithShape="0">
+                    <a:schemeClr val="bg2"/>
+                  </a:outerShdw>
+                </a:effectLst>
+              </a14:hiddenEffects>
+            </a:ext>
+          </a:extLst>
+        </p:spPr>
+      </p:pic>
     </p:spTree>
     <p:extLst>
       <p:ext uri="{BB962C8B-B14F-4D97-AF65-F5344CB8AC3E}">
